--- a/счетчик.pptx
+++ b/счетчик.pptx
@@ -12,6 +12,11 @@
     <p:sldId id="260" r:id="rId6"/>
     <p:sldId id="261" r:id="rId7"/>
     <p:sldId id="262" r:id="rId8"/>
+    <p:sldId id="263" r:id="rId9"/>
+    <p:sldId id="264" r:id="rId10"/>
+    <p:sldId id="265" r:id="rId11"/>
+    <p:sldId id="266" r:id="rId12"/>
+    <p:sldId id="267" r:id="rId13"/>
   </p:sldIdLst>
   <p:sldSz cx="12192000" cy="6858000"/>
   <p:notesSz cx="6858000" cy="9144000"/>
@@ -110,6 +115,11 @@
       </a:defRPr>
     </a:lvl9pPr>
   </p:defaultTextStyle>
+  <p:extLst>
+    <p:ext uri="{EFAFB233-063F-42B5-8137-9DF3F51BA10A}">
+      <p15:sldGuideLst xmlns:p15="http://schemas.microsoft.com/office/powerpoint/2012/main"/>
+    </p:ext>
+  </p:extLst>
 </p:presentation>
 </file>
 
@@ -3254,6 +3264,584 @@
 </p:sld>
 </file>
 
+<file path=ppt/slides/slide10.xml><?xml version="1.0" encoding="utf-8"?>
+<p:sld xmlns:a="http://schemas.openxmlformats.org/drawingml/2006/main" xmlns:r="http://schemas.openxmlformats.org/officeDocument/2006/relationships" xmlns:p="http://schemas.openxmlformats.org/presentationml/2006/main">
+  <p:cSld>
+    <p:spTree>
+      <p:nvGrpSpPr>
+        <p:cNvPr id="1" name=""/>
+        <p:cNvGrpSpPr/>
+        <p:nvPr/>
+      </p:nvGrpSpPr>
+      <p:grpSpPr>
+        <a:xfrm>
+          <a:off x="0" y="0"/>
+          <a:ext cx="0" cy="0"/>
+          <a:chOff x="0" y="0"/>
+          <a:chExt cx="0" cy="0"/>
+        </a:xfrm>
+      </p:grpSpPr>
+      <p:pic>
+        <p:nvPicPr>
+          <p:cNvPr id="2" name="Рисунок 1"/>
+          <p:cNvPicPr>
+            <a:picLocks noChangeAspect="1"/>
+          </p:cNvPicPr>
+          <p:nvPr/>
+        </p:nvPicPr>
+        <p:blipFill>
+          <a:blip r:embed="rId2"/>
+          <a:stretch>
+            <a:fillRect/>
+          </a:stretch>
+        </p:blipFill>
+        <p:spPr>
+          <a:xfrm>
+            <a:off x="2299811" y="1387753"/>
+            <a:ext cx="7667489" cy="4021010"/>
+          </a:xfrm>
+          <a:prstGeom prst="rect">
+            <a:avLst/>
+          </a:prstGeom>
+        </p:spPr>
+      </p:pic>
+      <p:cxnSp>
+        <p:nvCxnSpPr>
+          <p:cNvPr id="3" name="Прямая со стрелкой 2"/>
+          <p:cNvCxnSpPr/>
+          <p:nvPr/>
+        </p:nvCxnSpPr>
+        <p:spPr>
+          <a:xfrm flipH="1" flipV="1">
+            <a:off x="9217824" y="2806620"/>
+            <a:ext cx="297112" cy="2274338"/>
+          </a:xfrm>
+          <a:prstGeom prst="straightConnector1">
+            <a:avLst/>
+          </a:prstGeom>
+          <a:ln w="38100">
+            <a:solidFill>
+              <a:srgbClr val="FF0000"/>
+            </a:solidFill>
+            <a:tailEnd type="triangle"/>
+          </a:ln>
+        </p:spPr>
+        <p:style>
+          <a:lnRef idx="1">
+            <a:schemeClr val="accent1"/>
+          </a:lnRef>
+          <a:fillRef idx="0">
+            <a:schemeClr val="accent1"/>
+          </a:fillRef>
+          <a:effectRef idx="0">
+            <a:schemeClr val="accent1"/>
+          </a:effectRef>
+          <a:fontRef idx="minor">
+            <a:schemeClr val="tx1"/>
+          </a:fontRef>
+        </p:style>
+      </p:cxnSp>
+      <p:cxnSp>
+        <p:nvCxnSpPr>
+          <p:cNvPr id="5" name="Прямая со стрелкой 4"/>
+          <p:cNvCxnSpPr/>
+          <p:nvPr/>
+        </p:nvCxnSpPr>
+        <p:spPr>
+          <a:xfrm flipH="1" flipV="1">
+            <a:off x="7863478" y="3738273"/>
+            <a:ext cx="1651458" cy="1342685"/>
+          </a:xfrm>
+          <a:prstGeom prst="straightConnector1">
+            <a:avLst/>
+          </a:prstGeom>
+          <a:ln w="38100">
+            <a:solidFill>
+              <a:srgbClr val="FF0000"/>
+            </a:solidFill>
+            <a:tailEnd type="triangle"/>
+          </a:ln>
+        </p:spPr>
+        <p:style>
+          <a:lnRef idx="1">
+            <a:schemeClr val="accent1"/>
+          </a:lnRef>
+          <a:fillRef idx="0">
+            <a:schemeClr val="accent1"/>
+          </a:fillRef>
+          <a:effectRef idx="0">
+            <a:schemeClr val="accent1"/>
+          </a:effectRef>
+          <a:fontRef idx="minor">
+            <a:schemeClr val="tx1"/>
+          </a:fontRef>
+        </p:style>
+      </p:cxnSp>
+      <p:cxnSp>
+        <p:nvCxnSpPr>
+          <p:cNvPr id="7" name="Прямая со стрелкой 6"/>
+          <p:cNvCxnSpPr/>
+          <p:nvPr/>
+        </p:nvCxnSpPr>
+        <p:spPr>
+          <a:xfrm flipH="1" flipV="1">
+            <a:off x="4055148" y="2133565"/>
+            <a:ext cx="5459788" cy="2947393"/>
+          </a:xfrm>
+          <a:prstGeom prst="straightConnector1">
+            <a:avLst/>
+          </a:prstGeom>
+          <a:ln w="38100">
+            <a:solidFill>
+              <a:srgbClr val="FF0000"/>
+            </a:solidFill>
+            <a:tailEnd type="triangle"/>
+          </a:ln>
+        </p:spPr>
+        <p:style>
+          <a:lnRef idx="1">
+            <a:schemeClr val="accent1"/>
+          </a:lnRef>
+          <a:fillRef idx="0">
+            <a:schemeClr val="accent1"/>
+          </a:fillRef>
+          <a:effectRef idx="0">
+            <a:schemeClr val="accent1"/>
+          </a:effectRef>
+          <a:fontRef idx="minor">
+            <a:schemeClr val="tx1"/>
+          </a:fontRef>
+        </p:style>
+      </p:cxnSp>
+      <p:sp>
+        <p:nvSpPr>
+          <p:cNvPr id="9" name="Прямоугольник 8"/>
+          <p:cNvSpPr/>
+          <p:nvPr/>
+        </p:nvSpPr>
+        <p:spPr>
+          <a:xfrm>
+            <a:off x="6133555" y="5358802"/>
+            <a:ext cx="4779884" cy="646331"/>
+          </a:xfrm>
+          <a:prstGeom prst="rect">
+            <a:avLst/>
+          </a:prstGeom>
+        </p:spPr>
+        <p:style>
+          <a:lnRef idx="2">
+            <a:schemeClr val="accent2"/>
+          </a:lnRef>
+          <a:fillRef idx="1">
+            <a:schemeClr val="lt1"/>
+          </a:fillRef>
+          <a:effectRef idx="0">
+            <a:schemeClr val="accent2"/>
+          </a:effectRef>
+          <a:fontRef idx="minor">
+            <a:schemeClr val="dk1"/>
+          </a:fontRef>
+        </p:style>
+        <p:txBody>
+          <a:bodyPr wrap="square">
+            <a:spAutoFit/>
+          </a:bodyPr>
+          <a:lstStyle/>
+          <a:p>
+            <a:pPr algn="ctr"/>
+            <a:r>
+              <a:rPr lang="ru-RU" dirty="0" smtClean="0"/>
+              <a:t>Продолжим подачу сигналов меняя положение ключа </a:t>
+            </a:r>
+            <a:r>
+              <a:rPr lang="en-US" dirty="0" smtClean="0"/>
+              <a:t>SW1=1 SW1=0</a:t>
+            </a:r>
+            <a:endParaRPr lang="ru-RU" dirty="0"/>
+          </a:p>
+        </p:txBody>
+      </p:sp>
+    </p:spTree>
+    <p:extLst>
+      <p:ext uri="{BB962C8B-B14F-4D97-AF65-F5344CB8AC3E}">
+        <p14:creationId xmlns:p14="http://schemas.microsoft.com/office/powerpoint/2010/main" val="1782296961"/>
+      </p:ext>
+    </p:extLst>
+  </p:cSld>
+  <p:clrMapOvr>
+    <a:masterClrMapping/>
+  </p:clrMapOvr>
+</p:sld>
+</file>
+
+<file path=ppt/slides/slide11.xml><?xml version="1.0" encoding="utf-8"?>
+<p:sld xmlns:a="http://schemas.openxmlformats.org/drawingml/2006/main" xmlns:r="http://schemas.openxmlformats.org/officeDocument/2006/relationships" xmlns:p="http://schemas.openxmlformats.org/presentationml/2006/main">
+  <p:cSld>
+    <p:spTree>
+      <p:nvGrpSpPr>
+        <p:cNvPr id="1" name=""/>
+        <p:cNvGrpSpPr/>
+        <p:nvPr/>
+      </p:nvGrpSpPr>
+      <p:grpSpPr>
+        <a:xfrm>
+          <a:off x="0" y="0"/>
+          <a:ext cx="0" cy="0"/>
+          <a:chOff x="0" y="0"/>
+          <a:chExt cx="0" cy="0"/>
+        </a:xfrm>
+      </p:grpSpPr>
+      <p:pic>
+        <p:nvPicPr>
+          <p:cNvPr id="2" name="Рисунок 1"/>
+          <p:cNvPicPr>
+            <a:picLocks noChangeAspect="1"/>
+          </p:cNvPicPr>
+          <p:nvPr/>
+        </p:nvPicPr>
+        <p:blipFill>
+          <a:blip r:embed="rId2"/>
+          <a:stretch>
+            <a:fillRect/>
+          </a:stretch>
+        </p:blipFill>
+        <p:spPr>
+          <a:xfrm>
+            <a:off x="2206702" y="1310511"/>
+            <a:ext cx="7284497" cy="3827951"/>
+          </a:xfrm>
+          <a:prstGeom prst="rect">
+            <a:avLst/>
+          </a:prstGeom>
+        </p:spPr>
+      </p:pic>
+      <p:sp>
+        <p:nvSpPr>
+          <p:cNvPr id="3" name="Прямоугольник 2"/>
+          <p:cNvSpPr/>
+          <p:nvPr/>
+        </p:nvSpPr>
+        <p:spPr>
+          <a:xfrm>
+            <a:off x="5675697" y="5138462"/>
+            <a:ext cx="6096000" cy="923330"/>
+          </a:xfrm>
+          <a:prstGeom prst="rect">
+            <a:avLst/>
+          </a:prstGeom>
+        </p:spPr>
+        <p:style>
+          <a:lnRef idx="2">
+            <a:schemeClr val="accent2"/>
+          </a:lnRef>
+          <a:fillRef idx="1">
+            <a:schemeClr val="lt1"/>
+          </a:fillRef>
+          <a:effectRef idx="0">
+            <a:schemeClr val="accent2"/>
+          </a:effectRef>
+          <a:fontRef idx="minor">
+            <a:schemeClr val="dk1"/>
+          </a:fontRef>
+        </p:style>
+        <p:txBody>
+          <a:bodyPr>
+            <a:spAutoFit/>
+          </a:bodyPr>
+          <a:lstStyle/>
+          <a:p>
+            <a:pPr algn="ctr"/>
+            <a:r>
+              <a:rPr lang="ru-RU" dirty="0" smtClean="0"/>
+              <a:t>Сделаем сброс счетчика</a:t>
+            </a:r>
+          </a:p>
+          <a:p>
+            <a:pPr algn="ctr"/>
+            <a:r>
+              <a:rPr lang="en-US" dirty="0" smtClean="0"/>
+              <a:t>SW2=1 SW2=0</a:t>
+            </a:r>
+          </a:p>
+          <a:p>
+            <a:pPr algn="ctr"/>
+            <a:r>
+              <a:rPr lang="ru-RU" dirty="0" smtClean="0"/>
+              <a:t>Наблюдаем 0 на семи сегментном индикаторе</a:t>
+            </a:r>
+            <a:endParaRPr lang="ru-RU" dirty="0"/>
+          </a:p>
+        </p:txBody>
+      </p:sp>
+      <p:cxnSp>
+        <p:nvCxnSpPr>
+          <p:cNvPr id="4" name="Прямая со стрелкой 3"/>
+          <p:cNvCxnSpPr/>
+          <p:nvPr/>
+        </p:nvCxnSpPr>
+        <p:spPr>
+          <a:xfrm flipH="1" flipV="1">
+            <a:off x="8884118" y="2079057"/>
+            <a:ext cx="630818" cy="3001902"/>
+          </a:xfrm>
+          <a:prstGeom prst="straightConnector1">
+            <a:avLst/>
+          </a:prstGeom>
+          <a:ln w="38100">
+            <a:solidFill>
+              <a:srgbClr val="FF0000"/>
+            </a:solidFill>
+            <a:tailEnd type="triangle"/>
+          </a:ln>
+        </p:spPr>
+        <p:style>
+          <a:lnRef idx="1">
+            <a:schemeClr val="accent1"/>
+          </a:lnRef>
+          <a:fillRef idx="0">
+            <a:schemeClr val="accent1"/>
+          </a:fillRef>
+          <a:effectRef idx="0">
+            <a:schemeClr val="accent1"/>
+          </a:effectRef>
+          <a:fontRef idx="minor">
+            <a:schemeClr val="tx1"/>
+          </a:fontRef>
+        </p:style>
+      </p:cxnSp>
+      <p:cxnSp>
+        <p:nvCxnSpPr>
+          <p:cNvPr id="6" name="Прямая со стрелкой 5"/>
+          <p:cNvCxnSpPr/>
+          <p:nvPr/>
+        </p:nvCxnSpPr>
+        <p:spPr>
+          <a:xfrm flipH="1" flipV="1">
+            <a:off x="7729086" y="3619099"/>
+            <a:ext cx="1785850" cy="1461860"/>
+          </a:xfrm>
+          <a:prstGeom prst="straightConnector1">
+            <a:avLst/>
+          </a:prstGeom>
+          <a:ln w="38100">
+            <a:solidFill>
+              <a:srgbClr val="FF0000"/>
+            </a:solidFill>
+            <a:tailEnd type="triangle"/>
+          </a:ln>
+        </p:spPr>
+        <p:style>
+          <a:lnRef idx="1">
+            <a:schemeClr val="accent1"/>
+          </a:lnRef>
+          <a:fillRef idx="0">
+            <a:schemeClr val="accent1"/>
+          </a:fillRef>
+          <a:effectRef idx="0">
+            <a:schemeClr val="accent1"/>
+          </a:effectRef>
+          <a:fontRef idx="minor">
+            <a:schemeClr val="tx1"/>
+          </a:fontRef>
+        </p:style>
+      </p:cxnSp>
+    </p:spTree>
+    <p:extLst>
+      <p:ext uri="{BB962C8B-B14F-4D97-AF65-F5344CB8AC3E}">
+        <p14:creationId xmlns:p14="http://schemas.microsoft.com/office/powerpoint/2010/main" val="3856101196"/>
+      </p:ext>
+    </p:extLst>
+  </p:cSld>
+  <p:clrMapOvr>
+    <a:masterClrMapping/>
+  </p:clrMapOvr>
+</p:sld>
+</file>
+
+<file path=ppt/slides/slide12.xml><?xml version="1.0" encoding="utf-8"?>
+<p:sld xmlns:a="http://schemas.openxmlformats.org/drawingml/2006/main" xmlns:r="http://schemas.openxmlformats.org/officeDocument/2006/relationships" xmlns:p="http://schemas.openxmlformats.org/presentationml/2006/main">
+  <p:cSld>
+    <p:spTree>
+      <p:nvGrpSpPr>
+        <p:cNvPr id="1" name=""/>
+        <p:cNvGrpSpPr/>
+        <p:nvPr/>
+      </p:nvGrpSpPr>
+      <p:grpSpPr>
+        <a:xfrm>
+          <a:off x="0" y="0"/>
+          <a:ext cx="0" cy="0"/>
+          <a:chOff x="0" y="0"/>
+          <a:chExt cx="0" cy="0"/>
+        </a:xfrm>
+      </p:grpSpPr>
+      <p:pic>
+        <p:nvPicPr>
+          <p:cNvPr id="2" name="Рисунок 1"/>
+          <p:cNvPicPr>
+            <a:picLocks noChangeAspect="1"/>
+          </p:cNvPicPr>
+          <p:nvPr/>
+        </p:nvPicPr>
+        <p:blipFill>
+          <a:blip r:embed="rId2"/>
+          <a:stretch>
+            <a:fillRect/>
+          </a:stretch>
+        </p:blipFill>
+        <p:spPr>
+          <a:xfrm>
+            <a:off x="617760" y="1438439"/>
+            <a:ext cx="5884045" cy="2916253"/>
+          </a:xfrm>
+          <a:prstGeom prst="rect">
+            <a:avLst/>
+          </a:prstGeom>
+        </p:spPr>
+      </p:pic>
+      <p:sp>
+        <p:nvSpPr>
+          <p:cNvPr id="3" name="Прямоугольник 2"/>
+          <p:cNvSpPr/>
+          <p:nvPr/>
+        </p:nvSpPr>
+        <p:spPr>
+          <a:xfrm>
+            <a:off x="2797743" y="717099"/>
+            <a:ext cx="6096000" cy="646331"/>
+          </a:xfrm>
+          <a:prstGeom prst="rect">
+            <a:avLst/>
+          </a:prstGeom>
+        </p:spPr>
+        <p:style>
+          <a:lnRef idx="2">
+            <a:schemeClr val="accent2"/>
+          </a:lnRef>
+          <a:fillRef idx="1">
+            <a:schemeClr val="lt1"/>
+          </a:fillRef>
+          <a:effectRef idx="0">
+            <a:schemeClr val="accent2"/>
+          </a:effectRef>
+          <a:fontRef idx="minor">
+            <a:schemeClr val="dk1"/>
+          </a:fontRef>
+        </p:style>
+        <p:txBody>
+          <a:bodyPr>
+            <a:spAutoFit/>
+          </a:bodyPr>
+          <a:lstStyle/>
+          <a:p>
+            <a:pPr algn="ctr"/>
+            <a:r>
+              <a:rPr lang="ru-RU" dirty="0" smtClean="0"/>
+              <a:t>Получим таблицу истинности для 4-х разрядного двоичного счетчика</a:t>
+            </a:r>
+            <a:endParaRPr lang="ru-RU" dirty="0"/>
+          </a:p>
+        </p:txBody>
+      </p:sp>
+      <p:sp>
+        <p:nvSpPr>
+          <p:cNvPr id="4" name="Прямоугольник 3"/>
+          <p:cNvSpPr/>
+          <p:nvPr/>
+        </p:nvSpPr>
+        <p:spPr>
+          <a:xfrm>
+            <a:off x="2961372" y="4472187"/>
+            <a:ext cx="6096000" cy="646331"/>
+          </a:xfrm>
+          <a:prstGeom prst="rect">
+            <a:avLst/>
+          </a:prstGeom>
+        </p:spPr>
+        <p:style>
+          <a:lnRef idx="2">
+            <a:schemeClr val="accent3"/>
+          </a:lnRef>
+          <a:fillRef idx="1">
+            <a:schemeClr val="lt1"/>
+          </a:fillRef>
+          <a:effectRef idx="0">
+            <a:schemeClr val="accent3"/>
+          </a:effectRef>
+          <a:fontRef idx="minor">
+            <a:schemeClr val="dk1"/>
+          </a:fontRef>
+        </p:style>
+        <p:txBody>
+          <a:bodyPr>
+            <a:spAutoFit/>
+          </a:bodyPr>
+          <a:lstStyle/>
+          <a:p>
+            <a:pPr algn="ctr"/>
+            <a:r>
+              <a:rPr lang="ru-RU" dirty="0" smtClean="0"/>
+              <a:t>Убедимся, что таблица истинности счетчика совпала с теоретической</a:t>
+            </a:r>
+            <a:endParaRPr lang="ru-RU" dirty="0"/>
+          </a:p>
+        </p:txBody>
+      </p:sp>
+      <p:pic>
+        <p:nvPicPr>
+          <p:cNvPr id="5" name="Рисунок 4"/>
+          <p:cNvPicPr>
+            <a:picLocks noChangeAspect="1"/>
+          </p:cNvPicPr>
+          <p:nvPr/>
+        </p:nvPicPr>
+        <p:blipFill>
+          <a:blip r:embed="rId3" cstate="print">
+            <a:extLst>
+              <a:ext uri="{BEBA8EAE-BF5A-486C-A8C5-ECC9F3942E4B}">
+                <a14:imgProps xmlns:a14="http://schemas.microsoft.com/office/drawing/2010/main">
+                  <a14:imgLayer r:embed="rId4">
+                    <a14:imgEffect>
+                      <a14:colorTemperature colorTemp="5300"/>
+                    </a14:imgEffect>
+                    <a14:imgEffect>
+                      <a14:brightnessContrast bright="20000" contrast="20000"/>
+                    </a14:imgEffect>
+                  </a14:imgLayer>
+                </a14:imgProps>
+              </a:ext>
+              <a:ext uri="{28A0092B-C50C-407E-A947-70E740481C1C}">
+                <a14:useLocalDpi xmlns:a14="http://schemas.microsoft.com/office/drawing/2010/main" val="0"/>
+              </a:ext>
+            </a:extLst>
+          </a:blip>
+          <a:stretch>
+            <a:fillRect/>
+          </a:stretch>
+        </p:blipFill>
+        <p:spPr>
+          <a:xfrm>
+            <a:off x="6424803" y="1598420"/>
+            <a:ext cx="3894275" cy="2638777"/>
+          </a:xfrm>
+          <a:prstGeom prst="rect">
+            <a:avLst/>
+          </a:prstGeom>
+        </p:spPr>
+      </p:pic>
+    </p:spTree>
+    <p:extLst>
+      <p:ext uri="{BB962C8B-B14F-4D97-AF65-F5344CB8AC3E}">
+        <p14:creationId xmlns:p14="http://schemas.microsoft.com/office/powerpoint/2010/main" val="3275099544"/>
+      </p:ext>
+    </p:extLst>
+  </p:cSld>
+  <p:clrMapOvr>
+    <a:masterClrMapping/>
+  </p:clrMapOvr>
+</p:sld>
+</file>
+
 <file path=ppt/slides/slide2.xml><?xml version="1.0" encoding="utf-8"?>
 <p:sld xmlns:a="http://schemas.openxmlformats.org/drawingml/2006/main" xmlns:r="http://schemas.openxmlformats.org/officeDocument/2006/relationships" xmlns:p="http://schemas.openxmlformats.org/presentationml/2006/main">
   <p:cSld>
@@ -4246,15 +4834,7 @@
                   <a:srgbClr val="FF0000"/>
                 </a:solidFill>
               </a:rPr>
-              <a:t>дисплей</a:t>
-            </a:r>
-            <a:r>
-              <a:rPr lang="ru-RU" b="1" dirty="0" smtClean="0">
-                <a:solidFill>
-                  <a:srgbClr val="FF0000"/>
-                </a:solidFill>
-              </a:rPr>
-              <a:t> </a:t>
+              <a:t>дисплей </a:t>
             </a:r>
             <a:r>
               <a:rPr lang="ru-RU" dirty="0"/>
@@ -4310,8 +4890,8 @@
         </p:blipFill>
         <p:spPr>
           <a:xfrm>
-            <a:off x="117657" y="962101"/>
-            <a:ext cx="8390290" cy="4077735"/>
+            <a:off x="117656" y="962101"/>
+            <a:ext cx="9344633" cy="4541552"/>
           </a:xfrm>
           <a:prstGeom prst="rect">
             <a:avLst/>
@@ -4326,7 +4906,7 @@
         </p:nvSpPr>
         <p:spPr>
           <a:xfrm>
-            <a:off x="6733167" y="4051263"/>
+            <a:off x="7587182" y="4698244"/>
             <a:ext cx="3978965" cy="1200329"/>
           </a:xfrm>
           <a:prstGeom prst="rect">
@@ -4390,15 +4970,516 @@
             <a:pPr algn="ctr"/>
             <a:r>
               <a:rPr lang="ru-RU" dirty="0"/>
-              <a:t>И наблюдать работу триггера</a:t>
-            </a:r>
-          </a:p>
-        </p:txBody>
-      </p:sp>
+              <a:t>И наблюдать работу </a:t>
+            </a:r>
+            <a:r>
+              <a:rPr lang="ru-RU" dirty="0" smtClean="0"/>
+              <a:t>счетчика</a:t>
+            </a:r>
+            <a:endParaRPr lang="ru-RU" dirty="0"/>
+          </a:p>
+        </p:txBody>
+      </p:sp>
+      <p:cxnSp>
+        <p:nvCxnSpPr>
+          <p:cNvPr id="4" name="Прямая со стрелкой 3"/>
+          <p:cNvCxnSpPr/>
+          <p:nvPr/>
+        </p:nvCxnSpPr>
+        <p:spPr>
+          <a:xfrm flipH="1" flipV="1">
+            <a:off x="3907767" y="1130061"/>
+            <a:ext cx="4632384" cy="3568183"/>
+          </a:xfrm>
+          <a:prstGeom prst="straightConnector1">
+            <a:avLst/>
+          </a:prstGeom>
+          <a:ln w="38100">
+            <a:solidFill>
+              <a:srgbClr val="FF0000"/>
+            </a:solidFill>
+            <a:tailEnd type="triangle"/>
+          </a:ln>
+        </p:spPr>
+        <p:style>
+          <a:lnRef idx="1">
+            <a:schemeClr val="accent1"/>
+          </a:lnRef>
+          <a:fillRef idx="0">
+            <a:schemeClr val="accent1"/>
+          </a:fillRef>
+          <a:effectRef idx="0">
+            <a:schemeClr val="accent1"/>
+          </a:effectRef>
+          <a:fontRef idx="minor">
+            <a:schemeClr val="tx1"/>
+          </a:fontRef>
+        </p:style>
+      </p:cxnSp>
+      <p:cxnSp>
+        <p:nvCxnSpPr>
+          <p:cNvPr id="9" name="Прямая со стрелкой 8"/>
+          <p:cNvCxnSpPr/>
+          <p:nvPr/>
+        </p:nvCxnSpPr>
+        <p:spPr>
+          <a:xfrm flipH="1" flipV="1">
+            <a:off x="8781691" y="3418661"/>
+            <a:ext cx="434195" cy="1279583"/>
+          </a:xfrm>
+          <a:prstGeom prst="straightConnector1">
+            <a:avLst/>
+          </a:prstGeom>
+          <a:ln w="38100">
+            <a:solidFill>
+              <a:srgbClr val="FF0000"/>
+            </a:solidFill>
+            <a:tailEnd type="triangle"/>
+          </a:ln>
+        </p:spPr>
+        <p:style>
+          <a:lnRef idx="1">
+            <a:schemeClr val="accent1"/>
+          </a:lnRef>
+          <a:fillRef idx="0">
+            <a:schemeClr val="accent1"/>
+          </a:fillRef>
+          <a:effectRef idx="0">
+            <a:schemeClr val="accent1"/>
+          </a:effectRef>
+          <a:fontRef idx="minor">
+            <a:schemeClr val="tx1"/>
+          </a:fontRef>
+        </p:style>
+      </p:cxnSp>
     </p:spTree>
     <p:extLst>
       <p:ext uri="{BB962C8B-B14F-4D97-AF65-F5344CB8AC3E}">
         <p14:creationId xmlns:p14="http://schemas.microsoft.com/office/powerpoint/2010/main" val="3532234369"/>
+      </p:ext>
+    </p:extLst>
+  </p:cSld>
+  <p:clrMapOvr>
+    <a:masterClrMapping/>
+  </p:clrMapOvr>
+</p:sld>
+</file>
+
+<file path=ppt/slides/slide8.xml><?xml version="1.0" encoding="utf-8"?>
+<p:sld xmlns:a="http://schemas.openxmlformats.org/drawingml/2006/main" xmlns:r="http://schemas.openxmlformats.org/officeDocument/2006/relationships" xmlns:p="http://schemas.openxmlformats.org/presentationml/2006/main">
+  <p:cSld>
+    <p:spTree>
+      <p:nvGrpSpPr>
+        <p:cNvPr id="1" name=""/>
+        <p:cNvGrpSpPr/>
+        <p:nvPr/>
+      </p:nvGrpSpPr>
+      <p:grpSpPr>
+        <a:xfrm>
+          <a:off x="0" y="0"/>
+          <a:ext cx="0" cy="0"/>
+          <a:chOff x="0" y="0"/>
+          <a:chExt cx="0" cy="0"/>
+        </a:xfrm>
+      </p:grpSpPr>
+      <p:pic>
+        <p:nvPicPr>
+          <p:cNvPr id="2" name="Рисунок 1"/>
+          <p:cNvPicPr>
+            <a:picLocks noChangeAspect="1"/>
+          </p:cNvPicPr>
+          <p:nvPr/>
+        </p:nvPicPr>
+        <p:blipFill>
+          <a:blip r:embed="rId2"/>
+          <a:stretch>
+            <a:fillRect/>
+          </a:stretch>
+        </p:blipFill>
+        <p:spPr>
+          <a:xfrm>
+            <a:off x="1660454" y="968668"/>
+            <a:ext cx="8802207" cy="4643963"/>
+          </a:xfrm>
+          <a:prstGeom prst="rect">
+            <a:avLst/>
+          </a:prstGeom>
+        </p:spPr>
+      </p:pic>
+      <p:sp>
+        <p:nvSpPr>
+          <p:cNvPr id="3" name="Прямоугольник 2"/>
+          <p:cNvSpPr/>
+          <p:nvPr/>
+        </p:nvSpPr>
+        <p:spPr>
+          <a:xfrm>
+            <a:off x="7206114" y="5387851"/>
+            <a:ext cx="4498206" cy="646331"/>
+          </a:xfrm>
+          <a:prstGeom prst="rect">
+            <a:avLst/>
+          </a:prstGeom>
+        </p:spPr>
+        <p:style>
+          <a:lnRef idx="2">
+            <a:schemeClr val="accent2"/>
+          </a:lnRef>
+          <a:fillRef idx="1">
+            <a:schemeClr val="lt1"/>
+          </a:fillRef>
+          <a:effectRef idx="0">
+            <a:schemeClr val="accent2"/>
+          </a:effectRef>
+          <a:fontRef idx="minor">
+            <a:schemeClr val="dk1"/>
+          </a:fontRef>
+        </p:style>
+        <p:txBody>
+          <a:bodyPr wrap="square">
+            <a:spAutoFit/>
+          </a:bodyPr>
+          <a:lstStyle/>
+          <a:p>
+            <a:pPr algn="ctr"/>
+            <a:r>
+              <a:rPr lang="ru-RU" dirty="0" smtClean="0"/>
+              <a:t>Установим </a:t>
+            </a:r>
+            <a:r>
+              <a:rPr lang="en-US" dirty="0" smtClean="0"/>
+              <a:t>SW3=1(</a:t>
+            </a:r>
+            <a:r>
+              <a:rPr lang="ru-RU" dirty="0" smtClean="0"/>
+              <a:t>сигнал синхронизации)</a:t>
+            </a:r>
+          </a:p>
+          <a:p>
+            <a:pPr algn="ctr"/>
+            <a:r>
+              <a:rPr lang="ru-RU" dirty="0" smtClean="0"/>
+              <a:t>Разрешим работу счетчика</a:t>
+            </a:r>
+            <a:endParaRPr lang="ru-RU" dirty="0"/>
+          </a:p>
+        </p:txBody>
+      </p:sp>
+      <p:sp>
+        <p:nvSpPr>
+          <p:cNvPr id="4" name="Прямоугольник 3"/>
+          <p:cNvSpPr/>
+          <p:nvPr/>
+        </p:nvSpPr>
+        <p:spPr>
+          <a:xfrm>
+            <a:off x="1848051" y="3907857"/>
+            <a:ext cx="5062888" cy="1520791"/>
+          </a:xfrm>
+          <a:prstGeom prst="rect">
+            <a:avLst/>
+          </a:prstGeom>
+          <a:noFill/>
+          <a:ln w="38100" cap="flat" cmpd="sng" algn="ctr">
+            <a:solidFill>
+              <a:srgbClr val="C00000"/>
+            </a:solidFill>
+            <a:prstDash val="solid"/>
+            <a:round/>
+            <a:headEnd type="none" w="med" len="med"/>
+            <a:tailEnd type="none" w="med" len="med"/>
+          </a:ln>
+        </p:spPr>
+        <p:style>
+          <a:lnRef idx="0">
+            <a:scrgbClr r="0" g="0" b="0"/>
+          </a:lnRef>
+          <a:fillRef idx="0">
+            <a:scrgbClr r="0" g="0" b="0"/>
+          </a:fillRef>
+          <a:effectRef idx="0">
+            <a:scrgbClr r="0" g="0" b="0"/>
+          </a:effectRef>
+          <a:fontRef idx="minor">
+            <a:schemeClr val="accent1"/>
+          </a:fontRef>
+        </p:style>
+        <p:txBody>
+          <a:bodyPr rtlCol="0" anchor="ctr"/>
+          <a:lstStyle/>
+          <a:p>
+            <a:pPr algn="ctr"/>
+            <a:endParaRPr lang="ru-RU"/>
+          </a:p>
+        </p:txBody>
+      </p:sp>
+      <p:cxnSp>
+        <p:nvCxnSpPr>
+          <p:cNvPr id="5" name="Прямая со стрелкой 4"/>
+          <p:cNvCxnSpPr>
+            <a:endCxn id="4" idx="3"/>
+          </p:cNvCxnSpPr>
+          <p:nvPr/>
+        </p:nvCxnSpPr>
+        <p:spPr>
+          <a:xfrm flipH="1" flipV="1">
+            <a:off x="6910939" y="4668253"/>
+            <a:ext cx="750770" cy="719598"/>
+          </a:xfrm>
+          <a:prstGeom prst="straightConnector1">
+            <a:avLst/>
+          </a:prstGeom>
+          <a:ln w="38100">
+            <a:solidFill>
+              <a:srgbClr val="FF0000"/>
+            </a:solidFill>
+            <a:tailEnd type="triangle"/>
+          </a:ln>
+        </p:spPr>
+        <p:style>
+          <a:lnRef idx="1">
+            <a:schemeClr val="accent1"/>
+          </a:lnRef>
+          <a:fillRef idx="0">
+            <a:schemeClr val="accent1"/>
+          </a:fillRef>
+          <a:effectRef idx="0">
+            <a:schemeClr val="accent1"/>
+          </a:effectRef>
+          <a:fontRef idx="minor">
+            <a:schemeClr val="tx1"/>
+          </a:fontRef>
+        </p:style>
+      </p:cxnSp>
+      <p:pic>
+        <p:nvPicPr>
+          <p:cNvPr id="8" name="Рисунок 7"/>
+          <p:cNvPicPr>
+            <a:picLocks noChangeAspect="1"/>
+          </p:cNvPicPr>
+          <p:nvPr/>
+        </p:nvPicPr>
+        <p:blipFill>
+          <a:blip r:embed="rId3"/>
+          <a:stretch>
+            <a:fillRect/>
+          </a:stretch>
+        </p:blipFill>
+        <p:spPr>
+          <a:xfrm>
+            <a:off x="3590573" y="4668252"/>
+            <a:ext cx="189927" cy="545432"/>
+          </a:xfrm>
+          <a:prstGeom prst="rect">
+            <a:avLst/>
+          </a:prstGeom>
+        </p:spPr>
+      </p:pic>
+    </p:spTree>
+    <p:extLst>
+      <p:ext uri="{BB962C8B-B14F-4D97-AF65-F5344CB8AC3E}">
+        <p14:creationId xmlns:p14="http://schemas.microsoft.com/office/powerpoint/2010/main" val="292099818"/>
+      </p:ext>
+    </p:extLst>
+  </p:cSld>
+  <p:clrMapOvr>
+    <a:masterClrMapping/>
+  </p:clrMapOvr>
+</p:sld>
+</file>
+
+<file path=ppt/slides/slide9.xml><?xml version="1.0" encoding="utf-8"?>
+<p:sld xmlns:a="http://schemas.openxmlformats.org/drawingml/2006/main" xmlns:r="http://schemas.openxmlformats.org/officeDocument/2006/relationships" xmlns:p="http://schemas.openxmlformats.org/presentationml/2006/main">
+  <p:cSld>
+    <p:spTree>
+      <p:nvGrpSpPr>
+        <p:cNvPr id="1" name=""/>
+        <p:cNvGrpSpPr/>
+        <p:nvPr/>
+      </p:nvGrpSpPr>
+      <p:grpSpPr>
+        <a:xfrm>
+          <a:off x="0" y="0"/>
+          <a:ext cx="0" cy="0"/>
+          <a:chOff x="0" y="0"/>
+          <a:chExt cx="0" cy="0"/>
+        </a:xfrm>
+      </p:grpSpPr>
+      <p:pic>
+        <p:nvPicPr>
+          <p:cNvPr id="2" name="Рисунок 1"/>
+          <p:cNvPicPr>
+            <a:picLocks noChangeAspect="1"/>
+          </p:cNvPicPr>
+          <p:nvPr/>
+        </p:nvPicPr>
+        <p:blipFill>
+          <a:blip r:embed="rId2"/>
+          <a:stretch>
+            <a:fillRect/>
+          </a:stretch>
+        </p:blipFill>
+        <p:spPr>
+          <a:xfrm>
+            <a:off x="1115889" y="1024021"/>
+            <a:ext cx="9812448" cy="4683760"/>
+          </a:xfrm>
+          <a:prstGeom prst="rect">
+            <a:avLst/>
+          </a:prstGeom>
+        </p:spPr>
+      </p:pic>
+      <p:sp>
+        <p:nvSpPr>
+          <p:cNvPr id="3" name="Прямоугольник 2"/>
+          <p:cNvSpPr/>
+          <p:nvPr/>
+        </p:nvSpPr>
+        <p:spPr>
+          <a:xfrm>
+            <a:off x="5839233" y="5627653"/>
+            <a:ext cx="6096000" cy="646331"/>
+          </a:xfrm>
+          <a:prstGeom prst="rect">
+            <a:avLst/>
+          </a:prstGeom>
+        </p:spPr>
+        <p:style>
+          <a:lnRef idx="2">
+            <a:schemeClr val="accent2"/>
+          </a:lnRef>
+          <a:fillRef idx="1">
+            <a:schemeClr val="lt1"/>
+          </a:fillRef>
+          <a:effectRef idx="0">
+            <a:schemeClr val="accent2"/>
+          </a:effectRef>
+          <a:fontRef idx="minor">
+            <a:schemeClr val="dk1"/>
+          </a:fontRef>
+        </p:style>
+        <p:txBody>
+          <a:bodyPr>
+            <a:spAutoFit/>
+          </a:bodyPr>
+          <a:lstStyle/>
+          <a:p>
+            <a:pPr algn="ctr"/>
+            <a:r>
+              <a:rPr lang="ru-RU" dirty="0"/>
+              <a:t>Установим </a:t>
+            </a:r>
+            <a:r>
+              <a:rPr lang="en-US" dirty="0" smtClean="0"/>
+              <a:t>SW</a:t>
+            </a:r>
+            <a:r>
+              <a:rPr lang="ru-RU" dirty="0" smtClean="0"/>
+              <a:t>1</a:t>
+            </a:r>
+            <a:r>
+              <a:rPr lang="en-US" dirty="0" smtClean="0"/>
+              <a:t>=1</a:t>
+            </a:r>
+            <a:r>
+              <a:rPr lang="ru-RU" dirty="0" smtClean="0"/>
+              <a:t> </a:t>
+            </a:r>
+            <a:r>
+              <a:rPr lang="en-US" dirty="0" smtClean="0"/>
+              <a:t>SW1=0 </a:t>
+            </a:r>
+            <a:r>
+              <a:rPr lang="ru-RU" dirty="0" smtClean="0"/>
+              <a:t>те подадим.</a:t>
+            </a:r>
+          </a:p>
+          <a:p>
+            <a:pPr algn="ctr"/>
+            <a:r>
+              <a:rPr lang="ru-RU" dirty="0" smtClean="0"/>
+              <a:t>Наблюдаем появление 1 на семи сегментном индикаторе</a:t>
+            </a:r>
+            <a:endParaRPr lang="ru-RU" dirty="0"/>
+          </a:p>
+        </p:txBody>
+      </p:sp>
+      <p:cxnSp>
+        <p:nvCxnSpPr>
+          <p:cNvPr id="4" name="Прямая со стрелкой 3"/>
+          <p:cNvCxnSpPr/>
+          <p:nvPr/>
+        </p:nvCxnSpPr>
+        <p:spPr>
+          <a:xfrm flipV="1">
+            <a:off x="9827393" y="3137836"/>
+            <a:ext cx="221382" cy="2489817"/>
+          </a:xfrm>
+          <a:prstGeom prst="straightConnector1">
+            <a:avLst/>
+          </a:prstGeom>
+          <a:ln w="38100">
+            <a:solidFill>
+              <a:srgbClr val="FF0000"/>
+            </a:solidFill>
+            <a:tailEnd type="triangle"/>
+          </a:ln>
+        </p:spPr>
+        <p:style>
+          <a:lnRef idx="1">
+            <a:schemeClr val="accent1"/>
+          </a:lnRef>
+          <a:fillRef idx="0">
+            <a:schemeClr val="accent1"/>
+          </a:fillRef>
+          <a:effectRef idx="0">
+            <a:schemeClr val="accent1"/>
+          </a:effectRef>
+          <a:fontRef idx="minor">
+            <a:schemeClr val="tx1"/>
+          </a:fontRef>
+        </p:style>
+      </p:cxnSp>
+      <p:cxnSp>
+        <p:nvCxnSpPr>
+          <p:cNvPr id="6" name="Прямая со стрелкой 5"/>
+          <p:cNvCxnSpPr/>
+          <p:nvPr/>
+        </p:nvCxnSpPr>
+        <p:spPr>
+          <a:xfrm flipH="1" flipV="1">
+            <a:off x="8691613" y="4022945"/>
+            <a:ext cx="1135780" cy="1604708"/>
+          </a:xfrm>
+          <a:prstGeom prst="straightConnector1">
+            <a:avLst/>
+          </a:prstGeom>
+          <a:ln w="38100">
+            <a:solidFill>
+              <a:srgbClr val="FF0000"/>
+            </a:solidFill>
+            <a:tailEnd type="triangle"/>
+          </a:ln>
+        </p:spPr>
+        <p:style>
+          <a:lnRef idx="1">
+            <a:schemeClr val="accent1"/>
+          </a:lnRef>
+          <a:fillRef idx="0">
+            <a:schemeClr val="accent1"/>
+          </a:fillRef>
+          <a:effectRef idx="0">
+            <a:schemeClr val="accent1"/>
+          </a:effectRef>
+          <a:fontRef idx="minor">
+            <a:schemeClr val="tx1"/>
+          </a:fontRef>
+        </p:style>
+      </p:cxnSp>
+    </p:spTree>
+    <p:extLst>
+      <p:ext uri="{BB962C8B-B14F-4D97-AF65-F5344CB8AC3E}">
+        <p14:creationId xmlns:p14="http://schemas.microsoft.com/office/powerpoint/2010/main" val="1923734912"/>
       </p:ext>
     </p:extLst>
   </p:cSld>

--- a/счетчик.pptx
+++ b/счетчик.pptx
@@ -254,7 +254,7 @@
           <a:p>
             <a:fld id="{505330D4-50C2-4DD2-BE27-80C0E1D0C27E}" type="datetimeFigureOut">
               <a:rPr lang="ru-RU" smtClean="0"/>
-              <a:t>14.04.2021</a:t>
+              <a:t>27.04.2021</a:t>
             </a:fld>
             <a:endParaRPr lang="ru-RU"/>
           </a:p>
@@ -424,7 +424,7 @@
           <a:p>
             <a:fld id="{505330D4-50C2-4DD2-BE27-80C0E1D0C27E}" type="datetimeFigureOut">
               <a:rPr lang="ru-RU" smtClean="0"/>
-              <a:t>14.04.2021</a:t>
+              <a:t>27.04.2021</a:t>
             </a:fld>
             <a:endParaRPr lang="ru-RU"/>
           </a:p>
@@ -604,7 +604,7 @@
           <a:p>
             <a:fld id="{505330D4-50C2-4DD2-BE27-80C0E1D0C27E}" type="datetimeFigureOut">
               <a:rPr lang="ru-RU" smtClean="0"/>
-              <a:t>14.04.2021</a:t>
+              <a:t>27.04.2021</a:t>
             </a:fld>
             <a:endParaRPr lang="ru-RU"/>
           </a:p>
@@ -774,7 +774,7 @@
           <a:p>
             <a:fld id="{505330D4-50C2-4DD2-BE27-80C0E1D0C27E}" type="datetimeFigureOut">
               <a:rPr lang="ru-RU" smtClean="0"/>
-              <a:t>14.04.2021</a:t>
+              <a:t>27.04.2021</a:t>
             </a:fld>
             <a:endParaRPr lang="ru-RU"/>
           </a:p>
@@ -1020,7 +1020,7 @@
           <a:p>
             <a:fld id="{505330D4-50C2-4DD2-BE27-80C0E1D0C27E}" type="datetimeFigureOut">
               <a:rPr lang="ru-RU" smtClean="0"/>
-              <a:t>14.04.2021</a:t>
+              <a:t>27.04.2021</a:t>
             </a:fld>
             <a:endParaRPr lang="ru-RU"/>
           </a:p>
@@ -1252,7 +1252,7 @@
           <a:p>
             <a:fld id="{505330D4-50C2-4DD2-BE27-80C0E1D0C27E}" type="datetimeFigureOut">
               <a:rPr lang="ru-RU" smtClean="0"/>
-              <a:t>14.04.2021</a:t>
+              <a:t>27.04.2021</a:t>
             </a:fld>
             <a:endParaRPr lang="ru-RU"/>
           </a:p>
@@ -1619,7 +1619,7 @@
           <a:p>
             <a:fld id="{505330D4-50C2-4DD2-BE27-80C0E1D0C27E}" type="datetimeFigureOut">
               <a:rPr lang="ru-RU" smtClean="0"/>
-              <a:t>14.04.2021</a:t>
+              <a:t>27.04.2021</a:t>
             </a:fld>
             <a:endParaRPr lang="ru-RU"/>
           </a:p>
@@ -1737,7 +1737,7 @@
           <a:p>
             <a:fld id="{505330D4-50C2-4DD2-BE27-80C0E1D0C27E}" type="datetimeFigureOut">
               <a:rPr lang="ru-RU" smtClean="0"/>
-              <a:t>14.04.2021</a:t>
+              <a:t>27.04.2021</a:t>
             </a:fld>
             <a:endParaRPr lang="ru-RU"/>
           </a:p>
@@ -1832,7 +1832,7 @@
           <a:p>
             <a:fld id="{505330D4-50C2-4DD2-BE27-80C0E1D0C27E}" type="datetimeFigureOut">
               <a:rPr lang="ru-RU" smtClean="0"/>
-              <a:t>14.04.2021</a:t>
+              <a:t>27.04.2021</a:t>
             </a:fld>
             <a:endParaRPr lang="ru-RU"/>
           </a:p>
@@ -2109,7 +2109,7 @@
           <a:p>
             <a:fld id="{505330D4-50C2-4DD2-BE27-80C0E1D0C27E}" type="datetimeFigureOut">
               <a:rPr lang="ru-RU" smtClean="0"/>
-              <a:t>14.04.2021</a:t>
+              <a:t>27.04.2021</a:t>
             </a:fld>
             <a:endParaRPr lang="ru-RU"/>
           </a:p>
@@ -2362,7 +2362,7 @@
           <a:p>
             <a:fld id="{505330D4-50C2-4DD2-BE27-80C0E1D0C27E}" type="datetimeFigureOut">
               <a:rPr lang="ru-RU" smtClean="0"/>
-              <a:t>14.04.2021</a:t>
+              <a:t>27.04.2021</a:t>
             </a:fld>
             <a:endParaRPr lang="ru-RU"/>
           </a:p>
@@ -2575,7 +2575,7 @@
           <a:p>
             <a:fld id="{505330D4-50C2-4DD2-BE27-80C0E1D0C27E}" type="datetimeFigureOut">
               <a:rPr lang="ru-RU" smtClean="0"/>
-              <a:t>14.04.2021</a:t>
+              <a:t>27.04.2021</a:t>
             </a:fld>
             <a:endParaRPr lang="ru-RU"/>
           </a:p>
@@ -4526,7 +4526,7 @@
         </p:blipFill>
         <p:spPr>
           <a:xfrm>
-            <a:off x="1008627" y="683643"/>
+            <a:off x="1000000" y="790351"/>
             <a:ext cx="9705381" cy="5596475"/>
           </a:xfrm>
           <a:prstGeom prst="rect">
@@ -4683,6 +4683,50 @@
               <a:t>a, b, c, d, e, f и g), этот вывод подается на семь-сегментный светодиодный дисплей, который отображает десятичное число в зависимости от входных данных.</a:t>
             </a:r>
             <a:endParaRPr lang="ru-RU" sz="1600" b="1" dirty="0" smtClean="0"/>
+          </a:p>
+        </p:txBody>
+      </p:sp>
+      <p:sp>
+        <p:nvSpPr>
+          <p:cNvPr id="7" name="TextBox 6"/>
+          <p:cNvSpPr txBox="1"/>
+          <p:nvPr/>
+        </p:nvSpPr>
+        <p:spPr>
+          <a:xfrm>
+            <a:off x="4615132" y="2303253"/>
+            <a:ext cx="1647646" cy="338554"/>
+          </a:xfrm>
+          <a:prstGeom prst="rect">
+            <a:avLst/>
+          </a:prstGeom>
+          <a:solidFill>
+            <a:schemeClr val="bg1"/>
+          </a:solidFill>
+        </p:spPr>
+        <p:txBody>
+          <a:bodyPr wrap="square" rtlCol="0">
+            <a:spAutoFit/>
+          </a:bodyPr>
+          <a:lstStyle/>
+          <a:p>
+            <a:r>
+              <a:rPr lang="ru-RU" sz="1600" dirty="0" err="1" smtClean="0">
+                <a:solidFill>
+                  <a:schemeClr val="accent1">
+                    <a:lumMod val="50000"/>
+                  </a:schemeClr>
+                </a:solidFill>
+              </a:rPr>
+              <a:t>вычитающго</a:t>
+            </a:r>
+            <a:endParaRPr lang="ru-RU" sz="1600" dirty="0">
+              <a:solidFill>
+                <a:schemeClr val="accent1">
+                  <a:lumMod val="50000"/>
+                </a:schemeClr>
+              </a:solidFill>
+            </a:endParaRPr>
           </a:p>
         </p:txBody>
       </p:sp>
@@ -4841,6 +4885,50 @@
               <a:t>отображает десятичное число в зависимости от входных данных</a:t>
             </a:r>
             <a:endParaRPr lang="ru-RU" b="1" dirty="0" smtClean="0"/>
+          </a:p>
+        </p:txBody>
+      </p:sp>
+      <p:sp>
+        <p:nvSpPr>
+          <p:cNvPr id="7" name="TextBox 6"/>
+          <p:cNvSpPr txBox="1"/>
+          <p:nvPr/>
+        </p:nvSpPr>
+        <p:spPr>
+          <a:xfrm>
+            <a:off x="4761780" y="2320506"/>
+            <a:ext cx="1552756" cy="338554"/>
+          </a:xfrm>
+          <a:prstGeom prst="rect">
+            <a:avLst/>
+          </a:prstGeom>
+          <a:solidFill>
+            <a:schemeClr val="bg1"/>
+          </a:solidFill>
+        </p:spPr>
+        <p:txBody>
+          <a:bodyPr wrap="square" rtlCol="0">
+            <a:spAutoFit/>
+          </a:bodyPr>
+          <a:lstStyle/>
+          <a:p>
+            <a:r>
+              <a:rPr lang="ru-RU" sz="1600" dirty="0" smtClean="0">
+                <a:solidFill>
+                  <a:schemeClr val="accent1">
+                    <a:lumMod val="50000"/>
+                  </a:schemeClr>
+                </a:solidFill>
+              </a:rPr>
+              <a:t>вычитающего</a:t>
+            </a:r>
+            <a:endParaRPr lang="ru-RU" sz="1600" dirty="0">
+              <a:solidFill>
+                <a:schemeClr val="accent1">
+                  <a:lumMod val="50000"/>
+                </a:schemeClr>
+              </a:solidFill>
+            </a:endParaRPr>
           </a:p>
         </p:txBody>
       </p:sp>
